--- a/documentation/16 Daily Maintenace.pptx
+++ b/documentation/16 Daily Maintenace.pptx
@@ -227,7 +227,7 @@
           <a:p>
             <a:fld id="{CE53DE84-D7B3-4797-B14D-77424657396D}" type="datetimeFigureOut">
               <a:rPr lang="en-GB" smtClean="0"/>
-              <a:t>08/03/2018</a:t>
+              <a:t>25/03/2019</a:t>
             </a:fld>
             <a:endParaRPr lang="en-GB" dirty="0"/>
           </a:p>
@@ -392,7 +392,7 @@
           <a:p>
             <a:fld id="{D1C597EC-6BB0-461C-B045-D257C6C8821E}" type="datetimeFigureOut">
               <a:rPr lang="en-GB" smtClean="0"/>
-              <a:t>08/03/2018</a:t>
+              <a:t>25/03/2019</a:t>
             </a:fld>
             <a:endParaRPr lang="en-GB" dirty="0"/>
           </a:p>
@@ -1750,7 +1750,7 @@
           <a:p>
             <a:fld id="{22E7AA2F-F619-4723-B6E7-545F24B9918D}" type="datetime4">
               <a:rPr lang="en-GB" smtClean="0"/>
-              <a:t>08 March 2018</a:t>
+              <a:t>25 March 2019</a:t>
             </a:fld>
             <a:endParaRPr lang="en-GB" dirty="0"/>
           </a:p>
@@ -1954,7 +1954,7 @@
           <a:p>
             <a:fld id="{2A4201E0-34F3-46A7-AE44-D99163B13904}" type="datetime4">
               <a:rPr lang="en-GB" smtClean="0"/>
-              <a:t>08 March 2018</a:t>
+              <a:t>25 March 2019</a:t>
             </a:fld>
             <a:endParaRPr lang="en-GB" dirty="0"/>
           </a:p>
@@ -2202,7 +2202,7 @@
           <a:p>
             <a:fld id="{4FAE0867-24A8-448F-B507-CC8586AA6B96}" type="datetime4">
               <a:rPr lang="en-GB" smtClean="0"/>
-              <a:t>08 March 2018</a:t>
+              <a:t>25 March 2019</a:t>
             </a:fld>
             <a:endParaRPr lang="en-GB" dirty="0"/>
           </a:p>
@@ -2386,7 +2386,7 @@
           <a:p>
             <a:fld id="{54BE1DED-F17D-40BA-964F-A1C8DEDCEF61}" type="datetime4">
               <a:rPr lang="en-GB" smtClean="0"/>
-              <a:t>08 March 2018</a:t>
+              <a:t>25 March 2019</a:t>
             </a:fld>
             <a:endParaRPr lang="en-GB" dirty="0"/>
           </a:p>
@@ -2762,7 +2762,7 @@
             <a:fld id="{D9FBC6CA-9941-44FF-B65D-C7A23CB5A4BE}" type="datetime4">
               <a:rPr lang="en-GB" smtClean="0"/>
               <a:pPr/>
-              <a:t>08 March 2018</a:t>
+              <a:t>25 March 2019</a:t>
             </a:fld>
             <a:endParaRPr lang="en-GB" dirty="0"/>
           </a:p>
@@ -2948,7 +2948,7 @@
           <a:p>
             <a:fld id="{D473304B-F8FC-4BC7-8FE8-C50BC87E1FAB}" type="datetime4">
               <a:rPr lang="en-GB" smtClean="0"/>
-              <a:t>08 March 2018</a:t>
+              <a:t>25 March 2019</a:t>
             </a:fld>
             <a:endParaRPr lang="en-GB" dirty="0"/>
           </a:p>
@@ -3043,7 +3043,7 @@
           <a:p>
             <a:fld id="{D3D7C3DF-C1B2-4C30-9BDA-F5EE790E7213}" type="datetime4">
               <a:rPr lang="en-GB" smtClean="0"/>
-              <a:t>08 March 2018</a:t>
+              <a:t>25 March 2019</a:t>
             </a:fld>
             <a:endParaRPr lang="en-GB" dirty="0"/>
           </a:p>
@@ -3268,7 +3268,7 @@
           <a:p>
             <a:fld id="{7A1E630C-C3F3-4A66-A20B-F3CE4CC3331D}" type="datetime4">
               <a:rPr lang="en-GB" smtClean="0"/>
-              <a:t>08 March 2018</a:t>
+              <a:t>25 March 2019</a:t>
             </a:fld>
             <a:endParaRPr lang="en-GB" dirty="0"/>
           </a:p>
@@ -3902,7 +3902,7 @@
           <a:p>
             <a:fld id="{D22C19FE-D082-4640-BFED-203C0E583774}" type="datetime4">
               <a:rPr lang="en-GB" smtClean="0"/>
-              <a:t>08 March 2018</a:t>
+              <a:t>25 March 2019</a:t>
             </a:fld>
             <a:endParaRPr lang="en-GB" dirty="0"/>
           </a:p>
@@ -4507,7 +4507,7 @@
             <a:pPr lvl="1"/>
             <a:r>
               <a:rPr lang="en-GB" dirty="0" smtClean="0"/>
-              <a:t>February 2018</a:t>
+              <a:t>2019</a:t>
             </a:r>
             <a:endParaRPr lang="en-GB" dirty="0"/>
           </a:p>
@@ -4605,7 +4605,7 @@
             <a:fld id="{BC3F1638-3586-4527-A760-38AC15BFC248}" type="datetime4">
               <a:rPr lang="en-GB" smtClean="0"/>
               <a:pPr/>
-              <a:t>08 March 2018</a:t>
+              <a:t>25 March 2019</a:t>
             </a:fld>
             <a:endParaRPr lang="en-GB" dirty="0"/>
           </a:p>
@@ -4907,7 +4907,7 @@
             <a:fld id="{BC3F1638-3586-4527-A760-38AC15BFC248}" type="datetime4">
               <a:rPr lang="en-GB" smtClean="0"/>
               <a:pPr/>
-              <a:t>08 March 2018</a:t>
+              <a:t>25 March 2019</a:t>
             </a:fld>
             <a:endParaRPr lang="en-GB" dirty="0"/>
           </a:p>
@@ -5213,7 +5213,7 @@
             <a:fld id="{BC3F1638-3586-4527-A760-38AC15BFC248}" type="datetime4">
               <a:rPr lang="en-GB" smtClean="0"/>
               <a:pPr/>
-              <a:t>08 March 2018</a:t>
+              <a:t>25 March 2019</a:t>
             </a:fld>
             <a:endParaRPr lang="en-GB" dirty="0"/>
           </a:p>
@@ -5771,7 +5771,7 @@
             <a:fld id="{BC3F1638-3586-4527-A760-38AC15BFC248}" type="datetime4">
               <a:rPr lang="en-GB" smtClean="0"/>
               <a:pPr/>
-              <a:t>08 March 2018</a:t>
+              <a:t>25 March 2019</a:t>
             </a:fld>
             <a:endParaRPr lang="en-GB" dirty="0"/>
           </a:p>
@@ -5860,15 +5860,7 @@
                   <a:schemeClr val="tx2"/>
                 </a:solidFill>
               </a:rPr>
-              <a:t>tasks. </a:t>
-            </a:r>
-            <a:r>
-              <a:rPr lang="en-US" dirty="0">
-                <a:solidFill>
-                  <a:schemeClr val="tx2"/>
-                </a:solidFill>
-              </a:rPr>
-              <a:t>These tasks can be executed in three manners.</a:t>
+              <a:t>tasks. These tasks can be executed in three manners.</a:t>
             </a:r>
           </a:p>
           <a:p>
@@ -6120,14 +6112,12 @@
           <a:lstStyle/>
           <a:p>
             <a:r>
-              <a:rPr lang="en-GB" dirty="0" smtClean="0"/>
-              <a:t>Arnab Podder</a:t>
-            </a:r>
-          </a:p>
-          <a:p>
-            <a:r>
               <a:rPr lang="en-GB" b="0" dirty="0" smtClean="0"/>
-              <a:t>Integration Team</a:t>
+              <a:t>Integration </a:t>
+            </a:r>
+            <a:r>
+              <a:rPr lang="en-GB" b="0" dirty="0" smtClean="0"/>
+              <a:t>Team</a:t>
             </a:r>
             <a:endParaRPr lang="en-GB" b="0" dirty="0"/>
           </a:p>
@@ -6151,7 +6141,7 @@
             <a:fld id="{D98A2CEC-3088-437B-B321-33BEC7D93FCD}" type="datetime4">
               <a:rPr lang="en-GB" smtClean="0"/>
               <a:pPr/>
-              <a:t>08 March 2018</a:t>
+              <a:t>25 March 2019</a:t>
             </a:fld>
             <a:endParaRPr lang="en-GB" dirty="0"/>
           </a:p>
@@ -6174,8 +6164,9 @@
           <a:p>
             <a:r>
               <a:rPr lang="en-GB" dirty="0" smtClean="0"/>
-              <a:t>Arnab.podder@finastra.com</a:t>
-            </a:r>
+              <a:t>Alexander.perman@finastra.com</a:t>
+            </a:r>
+            <a:endParaRPr lang="en-GB" dirty="0" smtClean="0"/>
           </a:p>
           <a:p>
             <a:endParaRPr lang="en-GB" dirty="0"/>
@@ -6331,7 +6322,7 @@
           <a:p>
             <a:fld id="{6096F0BA-ECEE-44D1-ABE9-40C67B221300}" type="datetime4">
               <a:rPr lang="en-GB" smtClean="0"/>
-              <a:t>08 March 2018</a:t>
+              <a:t>25 March 2019</a:t>
             </a:fld>
             <a:endParaRPr lang="en-GB" dirty="0"/>
           </a:p>
@@ -6507,7 +6498,7 @@
             <a:fld id="{014A5046-EA5E-455B-A3BC-352818629394}" type="datetime4">
               <a:rPr lang="en-GB" smtClean="0"/>
               <a:pPr/>
-              <a:t>08 March 2018</a:t>
+              <a:t>25 March 2019</a:t>
             </a:fld>
             <a:endParaRPr lang="en-GB" dirty="0"/>
           </a:p>
@@ -6627,7 +6618,7 @@
             <a:fld id="{BC3F1638-3586-4527-A760-38AC15BFC248}" type="datetime4">
               <a:rPr lang="en-GB" smtClean="0"/>
               <a:pPr/>
-              <a:t>08 March 2018</a:t>
+              <a:t>25 March 2019</a:t>
             </a:fld>
             <a:endParaRPr lang="en-GB" dirty="0"/>
           </a:p>
@@ -8004,7 +7995,7 @@
           <a:p>
             <a:fld id="{D473304B-F8FC-4BC7-8FE8-C50BC87E1FAB}" type="datetime4">
               <a:rPr lang="en-GB" smtClean="0"/>
-              <a:t>08 March 2018</a:t>
+              <a:t>25 March 2019</a:t>
             </a:fld>
             <a:endParaRPr lang="en-GB" dirty="0"/>
           </a:p>
@@ -8138,7 +8129,7 @@
           <a:p>
             <a:fld id="{D473304B-F8FC-4BC7-8FE8-C50BC87E1FAB}" type="datetime4">
               <a:rPr lang="en-GB" smtClean="0"/>
-              <a:t>08 March 2018</a:t>
+              <a:t>25 March 2019</a:t>
             </a:fld>
             <a:endParaRPr lang="en-GB" dirty="0"/>
           </a:p>
@@ -8268,7 +8259,7 @@
           <a:p>
             <a:fld id="{D473304B-F8FC-4BC7-8FE8-C50BC87E1FAB}" type="datetime4">
               <a:rPr lang="en-GB" smtClean="0"/>
-              <a:t>08 March 2018</a:t>
+              <a:t>25 March 2019</a:t>
             </a:fld>
             <a:endParaRPr lang="en-GB" dirty="0"/>
           </a:p>
@@ -8401,7 +8392,7 @@
             <a:fld id="{BC3F1638-3586-4527-A760-38AC15BFC248}" type="datetime4">
               <a:rPr lang="en-GB" smtClean="0"/>
               <a:pPr/>
-              <a:t>08 March 2018</a:t>
+              <a:t>25 March 2019</a:t>
             </a:fld>
             <a:endParaRPr lang="en-GB" dirty="0"/>
           </a:p>
@@ -8932,7 +8923,7 @@
             <a:fld id="{BC3F1638-3586-4527-A760-38AC15BFC248}" type="datetime4">
               <a:rPr lang="en-GB" smtClean="0"/>
               <a:pPr/>
-              <a:t>08 March 2018</a:t>
+              <a:t>25 March 2019</a:t>
             </a:fld>
             <a:endParaRPr lang="en-GB" dirty="0"/>
           </a:p>
@@ -10209,15 +10200,6 @@
 </file>
 
 <file path=customXml/item1.xml><?xml version="1.0" encoding="utf-8"?>
-<?mso-contentType ?>
-<FormTemplates xmlns="http://schemas.microsoft.com/sharepoint/v3/contenttype/forms">
-  <Display>DocumentLibraryForm</Display>
-  <Edit>DocumentLibraryForm</Edit>
-  <New>DocumentLibraryForm</New>
-</FormTemplates>
-</file>
-
-<file path=customXml/item2.xml><?xml version="1.0" encoding="utf-8"?>
 <ct:contentTypeSchema xmlns:ct="http://schemas.microsoft.com/office/2006/metadata/contentType" xmlns:ma="http://schemas.microsoft.com/office/2006/metadata/properties/metaAttributes" ct:_="" ma:_="" ma:contentTypeName="Document" ma:contentTypeID="0x0101009AFDA2510A45954CB46081864A6D864F" ma:contentTypeVersion="5" ma:contentTypeDescription="Create a new document." ma:contentTypeScope="" ma:versionID="5b475eef84496e2b7a4205b1d00d7d4c">
   <xsd:schema xmlns:xsd="http://www.w3.org/2001/XMLSchema" xmlns:xs="http://www.w3.org/2001/XMLSchema" xmlns:p="http://schemas.microsoft.com/office/2006/metadata/properties" xmlns:ns1="http://schemas.microsoft.com/sharepoint/v3" xmlns:ns2="1913475e-a030-45ec-9e8a-a2630205b38f" xmlns:ns3="0ae7057e-292f-4fd1-bead-5494e4c66c6d" targetNamespace="http://schemas.microsoft.com/office/2006/metadata/properties" ma:root="true" ma:fieldsID="85738e600c763465eda532a3d229a01a" ns1:_="" ns2:_="" ns3:_="">
     <xsd:import namespace="http://schemas.microsoft.com/sharepoint/v3"/>
@@ -10399,6 +10381,15 @@
 </ct:contentTypeSchema>
 </file>
 
+<file path=customXml/item2.xml><?xml version="1.0" encoding="utf-8"?>
+<?mso-contentType ?>
+<FormTemplates xmlns="http://schemas.microsoft.com/sharepoint/v3/contenttype/forms">
+  <Display>DocumentLibraryForm</Display>
+  <Edit>DocumentLibraryForm</Edit>
+  <New>DocumentLibraryForm</New>
+</FormTemplates>
+</file>
+
 <file path=customXml/item3.xml><?xml version="1.0" encoding="utf-8"?>
 <p:properties xmlns:p="http://schemas.microsoft.com/office/2006/metadata/properties" xmlns:xsi="http://www.w3.org/2001/XMLSchema-instance" xmlns:pc="http://schemas.microsoft.com/office/infopath/2007/PartnerControls">
   <documentManagement>
@@ -10409,14 +10400,6 @@
 </file>
 
 <file path=customXml/itemProps1.xml><?xml version="1.0" encoding="utf-8"?>
-<ds:datastoreItem xmlns:ds="http://schemas.openxmlformats.org/officeDocument/2006/customXml" ds:itemID="{CA1AEAF9-C730-4098-99F1-230B2FED747B}">
-  <ds:schemaRefs>
-    <ds:schemaRef ds:uri="http://schemas.microsoft.com/sharepoint/v3/contenttype/forms"/>
-  </ds:schemaRefs>
-</ds:datastoreItem>
-</file>
-
-<file path=customXml/itemProps2.xml><?xml version="1.0" encoding="utf-8"?>
 <ds:datastoreItem xmlns:ds="http://schemas.openxmlformats.org/officeDocument/2006/customXml" ds:itemID="{F6B4073B-771D-450A-9EDA-ABAA77B0531E}">
   <ds:schemaRefs>
     <ds:schemaRef ds:uri="http://schemas.microsoft.com/office/2006/metadata/contentType"/>
@@ -10432,6 +10415,14 @@
     <ds:schemaRef ds:uri="http://purl.org/dc/elements/1.1/"/>
     <ds:schemaRef ds:uri="http://purl.org/dc/terms/"/>
     <ds:schemaRef ds:uri="http://schemas.microsoft.com/internal/obd"/>
+  </ds:schemaRefs>
+</ds:datastoreItem>
+</file>
+
+<file path=customXml/itemProps2.xml><?xml version="1.0" encoding="utf-8"?>
+<ds:datastoreItem xmlns:ds="http://schemas.openxmlformats.org/officeDocument/2006/customXml" ds:itemID="{CA1AEAF9-C730-4098-99F1-230B2FED747B}">
+  <ds:schemaRefs>
+    <ds:schemaRef ds:uri="http://schemas.microsoft.com/sharepoint/v3/contenttype/forms"/>
   </ds:schemaRefs>
 </ds:datastoreItem>
 </file>
